--- a/LinuxAdm/LinuxAdm2.pptx
+++ b/LinuxAdm/LinuxAdm2.pptx
@@ -268,7 +268,7 @@
           <a:p>
             <a:fld id="{052ECE81-C73C-E543-9046-300010F65159}" type="datetimeFigureOut">
               <a:rPr lang="en-RU" smtClean="0"/>
-              <a:t>20.12.2020</a:t>
+              <a:t>23.12.2020</a:t>
             </a:fld>
             <a:endParaRPr lang="en-RU"/>
           </a:p>
@@ -468,7 +468,7 @@
           <a:p>
             <a:fld id="{052ECE81-C73C-E543-9046-300010F65159}" type="datetimeFigureOut">
               <a:rPr lang="en-RU" smtClean="0"/>
-              <a:t>20.12.2020</a:t>
+              <a:t>23.12.2020</a:t>
             </a:fld>
             <a:endParaRPr lang="en-RU"/>
           </a:p>
@@ -678,7 +678,7 @@
           <a:p>
             <a:fld id="{052ECE81-C73C-E543-9046-300010F65159}" type="datetimeFigureOut">
               <a:rPr lang="en-RU" smtClean="0"/>
-              <a:t>20.12.2020</a:t>
+              <a:t>23.12.2020</a:t>
             </a:fld>
             <a:endParaRPr lang="en-RU"/>
           </a:p>
@@ -1145,7 +1145,7 @@
           <a:p>
             <a:fld id="{052ECE81-C73C-E543-9046-300010F65159}" type="datetimeFigureOut">
               <a:rPr lang="en-RU" smtClean="0"/>
-              <a:t>20.12.2020</a:t>
+              <a:t>23.12.2020</a:t>
             </a:fld>
             <a:endParaRPr lang="en-RU"/>
           </a:p>
@@ -1421,7 +1421,7 @@
           <a:p>
             <a:fld id="{052ECE81-C73C-E543-9046-300010F65159}" type="datetimeFigureOut">
               <a:rPr lang="en-RU" smtClean="0"/>
-              <a:t>20.12.2020</a:t>
+              <a:t>23.12.2020</a:t>
             </a:fld>
             <a:endParaRPr lang="en-RU"/>
           </a:p>
@@ -1689,7 +1689,7 @@
           <a:p>
             <a:fld id="{052ECE81-C73C-E543-9046-300010F65159}" type="datetimeFigureOut">
               <a:rPr lang="en-RU" smtClean="0"/>
-              <a:t>20.12.2020</a:t>
+              <a:t>23.12.2020</a:t>
             </a:fld>
             <a:endParaRPr lang="en-RU"/>
           </a:p>
@@ -2104,7 +2104,7 @@
           <a:p>
             <a:fld id="{052ECE81-C73C-E543-9046-300010F65159}" type="datetimeFigureOut">
               <a:rPr lang="en-RU" smtClean="0"/>
-              <a:t>20.12.2020</a:t>
+              <a:t>23.12.2020</a:t>
             </a:fld>
             <a:endParaRPr lang="en-RU"/>
           </a:p>
@@ -2246,7 +2246,7 @@
           <a:p>
             <a:fld id="{052ECE81-C73C-E543-9046-300010F65159}" type="datetimeFigureOut">
               <a:rPr lang="en-RU" smtClean="0"/>
-              <a:t>20.12.2020</a:t>
+              <a:t>23.12.2020</a:t>
             </a:fld>
             <a:endParaRPr lang="en-RU"/>
           </a:p>
@@ -2359,7 +2359,7 @@
           <a:p>
             <a:fld id="{052ECE81-C73C-E543-9046-300010F65159}" type="datetimeFigureOut">
               <a:rPr lang="en-RU" smtClean="0"/>
-              <a:t>20.12.2020</a:t>
+              <a:t>23.12.2020</a:t>
             </a:fld>
             <a:endParaRPr lang="en-RU"/>
           </a:p>
@@ -2672,7 +2672,7 @@
           <a:p>
             <a:fld id="{052ECE81-C73C-E543-9046-300010F65159}" type="datetimeFigureOut">
               <a:rPr lang="en-RU" smtClean="0"/>
-              <a:t>20.12.2020</a:t>
+              <a:t>23.12.2020</a:t>
             </a:fld>
             <a:endParaRPr lang="en-RU"/>
           </a:p>
@@ -2961,7 +2961,7 @@
           <a:p>
             <a:fld id="{052ECE81-C73C-E543-9046-300010F65159}" type="datetimeFigureOut">
               <a:rPr lang="en-RU" smtClean="0"/>
-              <a:t>20.12.2020</a:t>
+              <a:t>23.12.2020</a:t>
             </a:fld>
             <a:endParaRPr lang="en-RU"/>
           </a:p>
@@ -3204,7 +3204,7 @@
           <a:p>
             <a:fld id="{052ECE81-C73C-E543-9046-300010F65159}" type="datetimeFigureOut">
               <a:rPr lang="en-RU" smtClean="0"/>
-              <a:t>20.12.2020</a:t>
+              <a:t>23.12.2020</a:t>
             </a:fld>
             <a:endParaRPr lang="en-RU"/>
           </a:p>
@@ -4204,8 +4204,8 @@
         </p:blipFill>
         <p:spPr>
           <a:xfrm>
-            <a:off x="2554105" y="1858473"/>
-            <a:ext cx="5667256" cy="4212660"/>
+            <a:off x="2554104" y="1223010"/>
+            <a:ext cx="6522139" cy="4848123"/>
           </a:xfrm>
           <a:prstGeom prst="rect">
             <a:avLst/>
@@ -4782,6 +4782,15 @@
             <a:r>
               <a:rPr lang="en-US" sz="1600" dirty="0"/>
               <a:t>SSHFS</a:t>
+            </a:r>
+          </a:p>
+          <a:p>
+            <a:endParaRPr lang="en-US" sz="1600" dirty="0"/>
+          </a:p>
+          <a:p>
+            <a:r>
+              <a:rPr lang="en-US" sz="1600" dirty="0"/>
+              <a:t>Over TCP/IP</a:t>
             </a:r>
           </a:p>
           <a:p>
@@ -5127,8 +5136,8 @@
         </p:blipFill>
         <p:spPr>
           <a:xfrm>
-            <a:off x="6096000" y="1795231"/>
-            <a:ext cx="4843649" cy="3674745"/>
+            <a:off x="4899222" y="1383031"/>
+            <a:ext cx="6583746" cy="4994910"/>
           </a:xfrm>
           <a:prstGeom prst="rect">
             <a:avLst/>
@@ -5374,8 +5383,8 @@
         </p:blipFill>
         <p:spPr>
           <a:xfrm>
-            <a:off x="474083" y="4514318"/>
-            <a:ext cx="2665278" cy="1973971"/>
+            <a:off x="165473" y="3851910"/>
+            <a:ext cx="3575102" cy="2647809"/>
           </a:xfrm>
           <a:prstGeom prst="rect">
             <a:avLst/>
@@ -5410,8 +5419,8 @@
         </p:blipFill>
         <p:spPr>
           <a:xfrm>
-            <a:off x="3920375" y="4749878"/>
-            <a:ext cx="3168714" cy="1858978"/>
+            <a:off x="4628572" y="4306921"/>
+            <a:ext cx="3737725" cy="2192798"/>
           </a:xfrm>
           <a:prstGeom prst="rect">
             <a:avLst/>
@@ -6056,8 +6065,8 @@
         </p:nvSpPr>
         <p:spPr>
           <a:xfrm>
-            <a:off x="776109" y="1894912"/>
-            <a:ext cx="1330296" cy="3397250"/>
+            <a:off x="776108" y="1894912"/>
+            <a:ext cx="1645919" cy="3397250"/>
           </a:xfrm>
           <a:prstGeom prst="rect">
             <a:avLst/>
@@ -6329,8 +6338,8 @@
         </p:nvSpPr>
         <p:spPr>
           <a:xfrm>
-            <a:off x="2383235" y="1894912"/>
-            <a:ext cx="1859539" cy="3397250"/>
+            <a:off x="2564359" y="1869584"/>
+            <a:ext cx="1859539" cy="1944139"/>
           </a:xfrm>
           <a:prstGeom prst="rect">
             <a:avLst/>
@@ -6472,8 +6481,8 @@
         </p:nvSpPr>
         <p:spPr>
           <a:xfrm>
-            <a:off x="4242774" y="1894912"/>
-            <a:ext cx="1859539" cy="3397250"/>
+            <a:off x="5153780" y="1894912"/>
+            <a:ext cx="1413163" cy="3397250"/>
           </a:xfrm>
           <a:prstGeom prst="rect">
             <a:avLst/>
@@ -6616,8 +6625,8 @@
         </p:nvSpPr>
         <p:spPr>
           <a:xfrm>
-            <a:off x="6102312" y="1894912"/>
-            <a:ext cx="3369167" cy="3397250"/>
+            <a:off x="7290149" y="1894912"/>
+            <a:ext cx="2181330" cy="3397250"/>
           </a:xfrm>
           <a:prstGeom prst="rect">
             <a:avLst/>
@@ -6793,7 +6802,7 @@
         </p:nvSpPr>
         <p:spPr>
           <a:xfrm>
-            <a:off x="1873648" y="3500423"/>
+            <a:off x="1702139" y="4324519"/>
             <a:ext cx="1645920" cy="1944139"/>
           </a:xfrm>
           <a:prstGeom prst="rect">
@@ -6941,7 +6950,7 @@
         </p:nvSpPr>
         <p:spPr>
           <a:xfrm>
-            <a:off x="3784690" y="3500422"/>
+            <a:off x="3696644" y="4324519"/>
             <a:ext cx="1645920" cy="1944139"/>
           </a:xfrm>
           <a:prstGeom prst="rect">
@@ -7517,8 +7526,8 @@
         </p:blipFill>
         <p:spPr>
           <a:xfrm>
-            <a:off x="8293921" y="1346820"/>
-            <a:ext cx="3035300" cy="3263900"/>
+            <a:off x="7212330" y="1346820"/>
+            <a:ext cx="4116891" cy="4426950"/>
           </a:xfrm>
           <a:prstGeom prst="rect">
             <a:avLst/>
@@ -7539,8 +7548,8 @@
         </p:nvSpPr>
         <p:spPr>
           <a:xfrm>
-            <a:off x="1575219" y="5211098"/>
-            <a:ext cx="3986028" cy="300082"/>
+            <a:off x="1575218" y="5211098"/>
+            <a:ext cx="5214201" cy="369332"/>
           </a:xfrm>
           <a:prstGeom prst="rect">
             <a:avLst/>
@@ -7560,7 +7569,7 @@
           <a:fontRef idx="major"/>
         </p:style>
         <p:txBody>
-          <a:bodyPr wrap="none" rtlCol="0">
+          <a:bodyPr wrap="square" rtlCol="0">
             <a:spAutoFit/>
           </a:bodyPr>
           <a:lstStyle>
@@ -7717,8 +7726,8 @@
         </p:nvSpPr>
         <p:spPr>
           <a:xfrm>
-            <a:off x="315311" y="1305341"/>
-            <a:ext cx="1954924" cy="4247317"/>
+            <a:off x="320565" y="993052"/>
+            <a:ext cx="3067969" cy="5632311"/>
           </a:xfrm>
           <a:prstGeom prst="rect">
             <a:avLst/>
@@ -7736,6 +7745,16 @@
               <a:buChar char="•"/>
             </a:pPr>
             <a:r>
+              <a:rPr lang="en-US" dirty="0"/>
+              <a:t>Physical Volume</a:t>
+            </a:r>
+          </a:p>
+          <a:p>
+            <a:pPr marL="285750" indent="-285750">
+              <a:buFont typeface="Arial" panose="020B0604020202020204" pitchFamily="34" charset="0"/>
+              <a:buChar char="•"/>
+            </a:pPr>
+            <a:r>
               <a:rPr lang="en-US" dirty="0" err="1"/>
               <a:t>pvcreate</a:t>
             </a:r>
@@ -7779,6 +7798,23 @@
               <a:buFont typeface="Arial" panose="020B0604020202020204" pitchFamily="34" charset="0"/>
               <a:buChar char="•"/>
             </a:pPr>
+            <a:endParaRPr lang="en-US" dirty="0"/>
+          </a:p>
+          <a:p>
+            <a:pPr marL="285750" indent="-285750">
+              <a:buFont typeface="Arial" panose="020B0604020202020204" pitchFamily="34" charset="0"/>
+              <a:buChar char="•"/>
+            </a:pPr>
+            <a:r>
+              <a:rPr lang="en-US" dirty="0"/>
+              <a:t>Volume Group</a:t>
+            </a:r>
+          </a:p>
+          <a:p>
+            <a:pPr marL="285750" indent="-285750">
+              <a:buFont typeface="Arial" panose="020B0604020202020204" pitchFamily="34" charset="0"/>
+              <a:buChar char="•"/>
+            </a:pPr>
             <a:r>
               <a:rPr lang="en-US" dirty="0" err="1"/>
               <a:t>vgcreate</a:t>
@@ -7828,6 +7864,23 @@
               <a:t>vgreduce</a:t>
             </a:r>
             <a:endParaRPr lang="en-US" dirty="0"/>
+          </a:p>
+          <a:p>
+            <a:pPr marL="285750" indent="-285750">
+              <a:buFont typeface="Arial" panose="020B0604020202020204" pitchFamily="34" charset="0"/>
+              <a:buChar char="•"/>
+            </a:pPr>
+            <a:endParaRPr lang="en-US" dirty="0"/>
+          </a:p>
+          <a:p>
+            <a:pPr marL="285750" indent="-285750">
+              <a:buFont typeface="Arial" panose="020B0604020202020204" pitchFamily="34" charset="0"/>
+              <a:buChar char="•"/>
+            </a:pPr>
+            <a:r>
+              <a:rPr lang="en-US" dirty="0"/>
+              <a:t>Logical Volume</a:t>
+            </a:r>
           </a:p>
           <a:p>
             <a:pPr marL="285750" indent="-285750">
